--- a/春松客服大讲堂_2019/1-1.opencc-in-java.pptx
+++ b/春松客服大讲堂_2019/1-1.opencc-in-java.pptx
@@ -35,30 +35,30 @@
   <p:notesSz cx="6858000" cy="9144000"/>
   <p:embeddedFontLst>
     <p:embeddedFont>
+      <p:font typeface="Calibri" panose="020F0502020204030204" pitchFamily="34" charset="0"/>
+      <p:regular r:id="rId25"/>
+      <p:bold r:id="rId26"/>
+      <p:italic r:id="rId27"/>
+      <p:boldItalic r:id="rId28"/>
+    </p:embeddedFont>
+    <p:embeddedFont>
+      <p:font typeface="Calibri Light" panose="020F0302020204030204" pitchFamily="34" charset="0"/>
+      <p:regular r:id="rId29"/>
+      <p:italic r:id="rId30"/>
+    </p:embeddedFont>
+    <p:embeddedFont>
       <p:font typeface="优设标题黑" panose="00000500000000000000" pitchFamily="2" charset="-122"/>
-      <p:regular r:id="rId25"/>
+      <p:regular r:id="rId31"/>
     </p:embeddedFont>
     <p:embeddedFont>
       <p:font typeface="微软雅黑" panose="020B0503020204020204" pitchFamily="34" charset="-122"/>
-      <p:regular r:id="rId26"/>
-      <p:bold r:id="rId27"/>
+      <p:regular r:id="rId32"/>
+      <p:bold r:id="rId33"/>
     </p:embeddedFont>
     <p:embeddedFont>
       <p:font typeface="微软雅黑" panose="020B0503020204020204" pitchFamily="34" charset="-122"/>
-      <p:regular r:id="rId26"/>
-      <p:bold r:id="rId27"/>
-    </p:embeddedFont>
-    <p:embeddedFont>
-      <p:font typeface="Calibri" panose="020F0502020204030204" pitchFamily="34" charset="0"/>
-      <p:regular r:id="rId28"/>
-      <p:bold r:id="rId29"/>
-      <p:italic r:id="rId30"/>
-      <p:boldItalic r:id="rId31"/>
-    </p:embeddedFont>
-    <p:embeddedFont>
-      <p:font typeface="Calibri Light" panose="020F0302020204030204" pitchFamily="34" charset="0"/>
       <p:regular r:id="rId32"/>
-      <p:italic r:id="rId33"/>
+      <p:bold r:id="rId33"/>
     </p:embeddedFont>
   </p:embeddedFontLst>
   <p:defaultTextStyle>
